--- a/figures/flow-new.pptx
+++ b/figures/flow-new.pptx
@@ -304,7 +304,7 @@
           <a:p>
             <a:fld id="{C0C8E5F8-F35B-704F-8209-F641BC9BFEB9}" type="datetimeFigureOut">
               <a:rPr lang="en-US" smtClean="0"/>
-              <a:t>10/15/15</a:t>
+              <a:t>11/5/15</a:t>
             </a:fld>
             <a:endParaRPr lang="en-US"/>
           </a:p>
@@ -474,7 +474,7 @@
           <a:p>
             <a:fld id="{C0C8E5F8-F35B-704F-8209-F641BC9BFEB9}" type="datetimeFigureOut">
               <a:rPr lang="en-US" smtClean="0"/>
-              <a:t>10/15/15</a:t>
+              <a:t>11/5/15</a:t>
             </a:fld>
             <a:endParaRPr lang="en-US"/>
           </a:p>
@@ -654,7 +654,7 @@
           <a:p>
             <a:fld id="{C0C8E5F8-F35B-704F-8209-F641BC9BFEB9}" type="datetimeFigureOut">
               <a:rPr lang="en-US" smtClean="0"/>
-              <a:t>10/15/15</a:t>
+              <a:t>11/5/15</a:t>
             </a:fld>
             <a:endParaRPr lang="en-US"/>
           </a:p>
@@ -824,7 +824,7 @@
           <a:p>
             <a:fld id="{C0C8E5F8-F35B-704F-8209-F641BC9BFEB9}" type="datetimeFigureOut">
               <a:rPr lang="en-US" smtClean="0"/>
-              <a:t>10/15/15</a:t>
+              <a:t>11/5/15</a:t>
             </a:fld>
             <a:endParaRPr lang="en-US"/>
           </a:p>
@@ -1070,7 +1070,7 @@
           <a:p>
             <a:fld id="{C0C8E5F8-F35B-704F-8209-F641BC9BFEB9}" type="datetimeFigureOut">
               <a:rPr lang="en-US" smtClean="0"/>
-              <a:t>10/15/15</a:t>
+              <a:t>11/5/15</a:t>
             </a:fld>
             <a:endParaRPr lang="en-US"/>
           </a:p>
@@ -1358,7 +1358,7 @@
           <a:p>
             <a:fld id="{C0C8E5F8-F35B-704F-8209-F641BC9BFEB9}" type="datetimeFigureOut">
               <a:rPr lang="en-US" smtClean="0"/>
-              <a:t>10/15/15</a:t>
+              <a:t>11/5/15</a:t>
             </a:fld>
             <a:endParaRPr lang="en-US"/>
           </a:p>
@@ -1780,7 +1780,7 @@
           <a:p>
             <a:fld id="{C0C8E5F8-F35B-704F-8209-F641BC9BFEB9}" type="datetimeFigureOut">
               <a:rPr lang="en-US" smtClean="0"/>
-              <a:t>10/15/15</a:t>
+              <a:t>11/5/15</a:t>
             </a:fld>
             <a:endParaRPr lang="en-US"/>
           </a:p>
@@ -1898,7 +1898,7 @@
           <a:p>
             <a:fld id="{C0C8E5F8-F35B-704F-8209-F641BC9BFEB9}" type="datetimeFigureOut">
               <a:rPr lang="en-US" smtClean="0"/>
-              <a:t>10/15/15</a:t>
+              <a:t>11/5/15</a:t>
             </a:fld>
             <a:endParaRPr lang="en-US"/>
           </a:p>
@@ -1993,7 +1993,7 @@
           <a:p>
             <a:fld id="{C0C8E5F8-F35B-704F-8209-F641BC9BFEB9}" type="datetimeFigureOut">
               <a:rPr lang="en-US" smtClean="0"/>
-              <a:t>10/15/15</a:t>
+              <a:t>11/5/15</a:t>
             </a:fld>
             <a:endParaRPr lang="en-US"/>
           </a:p>
@@ -2270,7 +2270,7 @@
           <a:p>
             <a:fld id="{C0C8E5F8-F35B-704F-8209-F641BC9BFEB9}" type="datetimeFigureOut">
               <a:rPr lang="en-US" smtClean="0"/>
-              <a:t>10/15/15</a:t>
+              <a:t>11/5/15</a:t>
             </a:fld>
             <a:endParaRPr lang="en-US"/>
           </a:p>
@@ -2523,7 +2523,7 @@
           <a:p>
             <a:fld id="{C0C8E5F8-F35B-704F-8209-F641BC9BFEB9}" type="datetimeFigureOut">
               <a:rPr lang="en-US" smtClean="0"/>
-              <a:t>10/15/15</a:t>
+              <a:t>11/5/15</a:t>
             </a:fld>
             <a:endParaRPr lang="en-US"/>
           </a:p>
@@ -2736,7 +2736,7 @@
           <a:p>
             <a:fld id="{C0C8E5F8-F35B-704F-8209-F641BC9BFEB9}" type="datetimeFigureOut">
               <a:rPr lang="en-US" smtClean="0"/>
-              <a:t>10/15/15</a:t>
+              <a:t>11/5/15</a:t>
             </a:fld>
             <a:endParaRPr lang="en-US"/>
           </a:p>
@@ -3200,16 +3200,6 @@
           <a:p>
             <a:pPr algn="ctr"/>
             <a:r>
-              <a:rPr lang="en-US" altLang="zh-CN" sz="1600" dirty="0" smtClean="0">
-                <a:solidFill>
-                  <a:schemeClr val="tx1"/>
-                </a:solidFill>
-                <a:latin typeface="Arial"/>
-                <a:cs typeface="Arial"/>
-              </a:rPr>
-              <a:t>Store</a:t>
-            </a:r>
-            <a:r>
               <a:rPr lang="zh-CN" altLang="en-US" sz="1600" dirty="0" smtClean="0">
                 <a:solidFill>
                   <a:schemeClr val="tx1"/>
@@ -3217,17 +3207,7 @@
                 <a:latin typeface="Arial"/>
                 <a:cs typeface="Arial"/>
               </a:rPr>
-              <a:t> </a:t>
-            </a:r>
-            <a:r>
-              <a:rPr lang="en-US" altLang="zh-CN" sz="1600" dirty="0" smtClean="0">
-                <a:solidFill>
-                  <a:schemeClr val="tx1"/>
-                </a:solidFill>
-                <a:latin typeface="Arial"/>
-                <a:cs typeface="Arial"/>
-              </a:rPr>
-              <a:t>received</a:t>
+              <a:t>收到内存写</a:t>
             </a:r>
             <a:endParaRPr lang="en-US" sz="1600" dirty="0">
               <a:solidFill>
@@ -3288,7 +3268,7 @@
         <p:spPr>
           <a:xfrm>
             <a:off x="5430324" y="1289881"/>
-            <a:ext cx="446957" cy="338554"/>
+            <a:ext cx="415498" cy="369332"/>
           </a:xfrm>
           <a:prstGeom prst="rect">
             <a:avLst/>
@@ -3302,11 +3282,11 @@
           <a:lstStyle/>
           <a:p>
             <a:r>
-              <a:rPr lang="en-US" sz="1600" dirty="0" smtClean="0">
+              <a:rPr lang="zh-CN" altLang="en-US" dirty="0" smtClean="0">
                 <a:latin typeface="Arial"/>
                 <a:cs typeface="Arial"/>
               </a:rPr>
-              <a:t>No</a:t>
+              <a:t>否</a:t>
             </a:r>
             <a:endParaRPr lang="en-US" dirty="0">
               <a:latin typeface="Arial"/>
@@ -3364,7 +3344,7 @@
         <p:spPr>
           <a:xfrm>
             <a:off x="7658660" y="1292933"/>
-            <a:ext cx="519393" cy="338554"/>
+            <a:ext cx="389850" cy="338554"/>
           </a:xfrm>
           <a:prstGeom prst="rect">
             <a:avLst/>
@@ -3378,11 +3358,11 @@
           <a:lstStyle/>
           <a:p>
             <a:r>
-              <a:rPr lang="en-US" sz="1600" dirty="0" smtClean="0">
+              <a:rPr lang="zh-CN" altLang="en-US" sz="1600" dirty="0" smtClean="0">
                 <a:latin typeface="Arial"/>
                 <a:cs typeface="Arial"/>
               </a:rPr>
-              <a:t>Yes</a:t>
+              <a:t>是</a:t>
             </a:r>
             <a:endParaRPr lang="en-US" sz="1600" dirty="0">
               <a:latin typeface="Arial"/>
@@ -3464,8 +3444,8 @@
           </p:nvSpPr>
           <p:spPr>
             <a:xfrm>
-              <a:off x="6231512" y="725760"/>
-              <a:ext cx="1210788" cy="338554"/>
+              <a:off x="6300962" y="737335"/>
+              <a:ext cx="1186543" cy="338554"/>
             </a:xfrm>
             <a:prstGeom prst="rect">
               <a:avLst/>
@@ -3479,11 +3459,25 @@
             <a:lstStyle/>
             <a:p>
               <a:r>
+                <a:rPr lang="zh-CN" altLang="en-US" sz="1600" dirty="0" smtClean="0">
+                  <a:latin typeface="Arial"/>
+                  <a:cs typeface="Arial"/>
+                </a:rPr>
+                <a:t>命中</a:t>
+              </a:r>
+              <a:r>
                 <a:rPr lang="en-US" sz="1600" dirty="0" smtClean="0">
                   <a:latin typeface="Arial"/>
                   <a:cs typeface="Arial"/>
                 </a:rPr>
-                <a:t>Hit in PTT?</a:t>
+                <a:t>PTT</a:t>
+              </a:r>
+              <a:r>
+                <a:rPr lang="zh-CN" altLang="en-US" sz="1600" dirty="0">
+                  <a:latin typeface="Arial"/>
+                  <a:cs typeface="Arial"/>
+                </a:rPr>
+                <a:t>？</a:t>
               </a:r>
               <a:endParaRPr lang="en-US" sz="1600" dirty="0">
                 <a:latin typeface="Arial"/>
@@ -3566,8 +3560,8 @@
           </p:nvSpPr>
           <p:spPr>
             <a:xfrm>
-              <a:off x="4477769" y="2185351"/>
-              <a:ext cx="1805302" cy="338554"/>
+              <a:off x="4651394" y="2185351"/>
+              <a:ext cx="1571264" cy="338554"/>
             </a:xfrm>
             <a:prstGeom prst="rect">
               <a:avLst/>
@@ -3581,32 +3575,11 @@
             <a:lstStyle/>
             <a:p>
               <a:r>
-                <a:rPr lang="en-US" sz="1600" dirty="0" smtClean="0">
+                <a:rPr lang="zh-CN" altLang="en-US" sz="1600" dirty="0" smtClean="0">
                   <a:latin typeface="Arial"/>
                   <a:cs typeface="Arial"/>
                 </a:rPr>
-                <a:t>Still </a:t>
-              </a:r>
-              <a:r>
-                <a:rPr lang="en-US" altLang="zh-CN" sz="1600" dirty="0" err="1" smtClean="0">
-                  <a:latin typeface="Arial"/>
-                  <a:cs typeface="Arial"/>
-                </a:rPr>
-                <a:t>ckp</a:t>
-              </a:r>
-              <a:r>
-                <a:rPr lang="en-US" sz="1600" dirty="0" err="1" smtClean="0">
-                  <a:latin typeface="Arial"/>
-                  <a:cs typeface="Arial"/>
-                </a:rPr>
-                <a:t>ting</a:t>
-              </a:r>
-              <a:r>
-                <a:rPr lang="en-US" sz="1600" dirty="0" smtClean="0">
-                  <a:latin typeface="Arial"/>
-                  <a:cs typeface="Arial"/>
-                </a:rPr>
-                <a:t> </a:t>
+                <a:t>仍在生成</a:t>
               </a:r>
               <a:r>
                 <a:rPr lang="en-US" sz="1600" i="1" dirty="0" err="1" smtClean="0">
@@ -3623,11 +3596,11 @@
                 <a:t>last</a:t>
               </a:r>
               <a:r>
-                <a:rPr lang="en-US" sz="1600" dirty="0" smtClean="0">
+                <a:rPr lang="zh-CN" altLang="en-US" sz="1600" dirty="0" smtClean="0">
                   <a:latin typeface="Arial"/>
                   <a:cs typeface="Arial"/>
                 </a:rPr>
-                <a:t>?</a:t>
+                <a:t>？</a:t>
               </a:r>
               <a:endParaRPr lang="en-US" sz="1600" dirty="0">
                 <a:latin typeface="Arial"/>
@@ -3645,8 +3618,8 @@
         </p:nvSpPr>
         <p:spPr>
           <a:xfrm>
-            <a:off x="3680937" y="2217190"/>
-            <a:ext cx="446957" cy="338554"/>
+            <a:off x="3738812" y="2217190"/>
+            <a:ext cx="389850" cy="338554"/>
           </a:xfrm>
           <a:prstGeom prst="rect">
             <a:avLst/>
@@ -3660,11 +3633,11 @@
           <a:lstStyle/>
           <a:p>
             <a:r>
-              <a:rPr lang="en-US" sz="1600" dirty="0" smtClean="0">
+              <a:rPr lang="zh-CN" altLang="en-US" sz="1600" smtClean="0">
                 <a:latin typeface="Arial"/>
                 <a:cs typeface="Arial"/>
               </a:rPr>
-              <a:t>No</a:t>
+              <a:t>否</a:t>
             </a:r>
             <a:endParaRPr lang="en-US" sz="1600" dirty="0">
               <a:latin typeface="Arial"/>
@@ -3681,8 +3654,8 @@
         </p:nvSpPr>
         <p:spPr>
           <a:xfrm>
-            <a:off x="6280733" y="2209221"/>
-            <a:ext cx="519393" cy="338554"/>
+            <a:off x="6384908" y="2209221"/>
+            <a:ext cx="389850" cy="338554"/>
           </a:xfrm>
           <a:prstGeom prst="rect">
             <a:avLst/>
@@ -3696,11 +3669,11 @@
           <a:lstStyle/>
           <a:p>
             <a:r>
-              <a:rPr lang="en-US" sz="1600" dirty="0" smtClean="0">
+              <a:rPr lang="zh-CN" altLang="en-US" sz="1600" dirty="0" smtClean="0">
                 <a:latin typeface="Arial"/>
                 <a:cs typeface="Arial"/>
               </a:rPr>
-              <a:t>Yes</a:t>
+              <a:t>是</a:t>
             </a:r>
             <a:endParaRPr lang="en-US" sz="1600" dirty="0">
               <a:latin typeface="Arial"/>
@@ -3885,7 +3858,7 @@
           </a:xfrm>
           <a:prstGeom prst="bentConnector3">
             <a:avLst>
-              <a:gd name="adj1" fmla="val 43589"/>
+              <a:gd name="adj1" fmla="val 50000"/>
             </a:avLst>
           </a:prstGeom>
           <a:ln>
@@ -3911,8 +3884,8 @@
           </a:fontRef>
         </p:style>
       </p:cxnSp>
-      <mc:AlternateContent xmlns:mc="http://schemas.openxmlformats.org/markup-compatibility/2006" xmlns:a14="http://schemas.microsoft.com/office/drawing/2010/main">
-        <mc:Choice Requires="a14">
+      <mc:AlternateContent xmlns:mc="http://schemas.openxmlformats.org/markup-compatibility/2006">
+        <mc:Choice xmlns:a14="http://schemas.microsoft.com/office/drawing/2010/main" Requires="a14">
           <p:sp>
             <p:nvSpPr>
               <p:cNvPr id="206" name="TextBox 205"/>
@@ -3942,11 +3915,8 @@
               <a:p>
                 <a:pPr algn="ctr"/>
                 <a:r>
-                  <a:rPr lang="en-US" sz="1600" dirty="0" smtClean="0">
-                    <a:latin typeface="Arial"/>
-                    <a:cs typeface="Arial"/>
-                  </a:rPr>
-                  <a:t>Write </a:t>
+                  <a:rPr lang="zh-CN" altLang="en-US" sz="1600" dirty="0" smtClean="0"/>
+                  <a:t>将</a:t>
                 </a:r>
                 <a14:m>
                   <m:oMath xmlns:m="http://schemas.openxmlformats.org/officeDocument/2006/math">
@@ -3986,11 +3956,25 @@
                   </m:oMath>
                 </a14:m>
                 <a:r>
+                  <a:rPr lang="zh-CN" altLang="en-US" sz="1600" dirty="0" smtClean="0">
+                    <a:latin typeface="Arial"/>
+                    <a:cs typeface="Arial"/>
+                  </a:rPr>
+                  <a:t>写入</a:t>
+                </a:r>
+                <a:r>
                   <a:rPr lang="en-US" sz="1600" dirty="0" smtClean="0">
                     <a:latin typeface="Arial"/>
                     <a:cs typeface="Arial"/>
                   </a:rPr>
-                  <a:t> to DRAM;</a:t>
+                  <a:t>DRAM</a:t>
+                </a:r>
+                <a:r>
+                  <a:rPr lang="zh-CN" altLang="en-US" sz="1600" dirty="0">
+                    <a:latin typeface="Arial"/>
+                    <a:cs typeface="Arial"/>
+                  </a:rPr>
+                  <a:t>；</a:t>
                 </a:r>
                 <a:endParaRPr lang="en-US" sz="1600" i="1" dirty="0" smtClean="0">
                   <a:latin typeface="American Typewriter"/>
@@ -4000,24 +3984,28 @@
               <a:p>
                 <a:pPr algn="ctr"/>
                 <a:r>
-                  <a:rPr lang="en-US" sz="1600" i="1" dirty="0" smtClean="0">
+                  <a:rPr lang="zh-CN" altLang="en-US" sz="1600" i="1" dirty="0" smtClean="0">
                     <a:latin typeface="American Typewriter"/>
                     <a:cs typeface="American Typewriter"/>
                   </a:rPr>
-                  <a:t>Update </a:t>
+                  <a:t>更新</a:t>
                 </a:r>
                 <a:r>
-                  <a:rPr lang="en-US" sz="1600" i="1" dirty="0">
+                  <a:rPr lang="en-US" sz="1600" i="1" dirty="0" smtClean="0">
                     <a:latin typeface="American Typewriter"/>
                     <a:cs typeface="American Typewriter"/>
                   </a:rPr>
                   <a:t>PTT</a:t>
                 </a:r>
+                <a:endParaRPr lang="en-US" sz="1600" i="1" dirty="0">
+                  <a:latin typeface="American Typewriter"/>
+                  <a:cs typeface="American Typewriter"/>
+                </a:endParaRPr>
               </a:p>
             </p:txBody>
           </p:sp>
         </mc:Choice>
-        <mc:Fallback xmlns="">
+        <mc:Fallback>
           <p:sp>
             <p:nvSpPr>
               <p:cNvPr id="206" name="TextBox 205"/>
@@ -4037,7 +4025,7 @@
               <a:blipFill rotWithShape="0">
                 <a:blip r:embed="rId2"/>
                 <a:stretch>
-                  <a:fillRect b="-9709"/>
+                  <a:fillRect t="-1942" b="-10680"/>
                 </a:stretch>
               </a:blipFill>
               <a:ln>
@@ -4061,8 +4049,8 @@
           </p:sp>
         </mc:Fallback>
       </mc:AlternateContent>
-      <mc:AlternateContent xmlns:mc="http://schemas.openxmlformats.org/markup-compatibility/2006" xmlns:a14="http://schemas.microsoft.com/office/drawing/2010/main">
-        <mc:Choice Requires="a14">
+      <mc:AlternateContent xmlns:mc="http://schemas.openxmlformats.org/markup-compatibility/2006">
+        <mc:Choice xmlns:a14="http://schemas.microsoft.com/office/drawing/2010/main" Requires="a14">
           <p:sp>
             <p:nvSpPr>
               <p:cNvPr id="189" name="TextBox 188"/>
@@ -4092,11 +4080,10 @@
               <a:p>
                 <a:pPr algn="ctr"/>
                 <a:r>
-                  <a:rPr lang="en-US" sz="1600" dirty="0" smtClean="0">
-                    <a:latin typeface="Arial"/>
+                  <a:rPr lang="zh-CN" altLang="en-US" sz="1600" dirty="0" smtClean="0">
                     <a:cs typeface="Arial"/>
                   </a:rPr>
-                  <a:t>Write </a:t>
+                  <a:t>将</a:t>
                 </a:r>
                 <a14:m>
                   <m:oMath xmlns:m="http://schemas.openxmlformats.org/officeDocument/2006/math">
@@ -4140,11 +4127,25 @@
                   </m:oMath>
                 </a14:m>
                 <a:r>
+                  <a:rPr lang="zh-CN" altLang="en-US" sz="1600" dirty="0" smtClean="0">
+                    <a:latin typeface="Arial"/>
+                    <a:cs typeface="Arial"/>
+                  </a:rPr>
+                  <a:t>写入</a:t>
+                </a:r>
+                <a:r>
                   <a:rPr lang="en-US" sz="1600" dirty="0" smtClean="0">
                     <a:latin typeface="Arial"/>
                     <a:cs typeface="Arial"/>
                   </a:rPr>
-                  <a:t> to NVM;</a:t>
+                  <a:t>NVM</a:t>
+                </a:r>
+                <a:r>
+                  <a:rPr lang="zh-CN" altLang="en-US" sz="1600" dirty="0">
+                    <a:latin typeface="Arial"/>
+                    <a:cs typeface="Arial"/>
+                  </a:rPr>
+                  <a:t>；</a:t>
                 </a:r>
                 <a:endParaRPr lang="en-US" altLang="zh-CN" sz="1600" dirty="0" smtClean="0">
                   <a:latin typeface="Arial"/>
@@ -4154,11 +4155,18 @@
               <a:p>
                 <a:pPr algn="ctr"/>
                 <a:r>
+                  <a:rPr lang="zh-CN" altLang="en-US" sz="1600" i="1" dirty="0" smtClean="0">
+                    <a:latin typeface="American Typewriter"/>
+                    <a:cs typeface="American Typewriter"/>
+                  </a:rPr>
+                  <a:t>更新</a:t>
+                </a:r>
+                <a:r>
                   <a:rPr lang="en-US" sz="1600" i="1" dirty="0" smtClean="0">
                     <a:latin typeface="American Typewriter"/>
                     <a:cs typeface="American Typewriter"/>
                   </a:rPr>
-                  <a:t>Update BTT</a:t>
+                  <a:t>BTT</a:t>
                 </a:r>
                 <a:endParaRPr lang="en-US" sz="1600" i="1" dirty="0">
                   <a:latin typeface="American Typewriter"/>
@@ -4168,7 +4176,7 @@
             </p:txBody>
           </p:sp>
         </mc:Choice>
-        <mc:Fallback xmlns="">
+        <mc:Fallback>
           <p:sp>
             <p:nvSpPr>
               <p:cNvPr id="189" name="TextBox 188"/>
@@ -4188,7 +4196,7 @@
               <a:blipFill rotWithShape="0">
                 <a:blip r:embed="rId3"/>
                 <a:stretch>
-                  <a:fillRect b="-10891"/>
+                  <a:fillRect t="-990" b="-10891"/>
                 </a:stretch>
               </a:blipFill>
               <a:ln>
@@ -4212,8 +4220,8 @@
           </p:sp>
         </mc:Fallback>
       </mc:AlternateContent>
-      <mc:AlternateContent xmlns:mc="http://schemas.openxmlformats.org/markup-compatibility/2006" xmlns:a14="http://schemas.microsoft.com/office/drawing/2010/main">
-        <mc:Choice Requires="a14">
+      <mc:AlternateContent xmlns:mc="http://schemas.openxmlformats.org/markup-compatibility/2006">
+        <mc:Choice xmlns:a14="http://schemas.microsoft.com/office/drawing/2010/main" Requires="a14">
           <p:sp>
             <p:nvSpPr>
               <p:cNvPr id="192" name="TextBox 191"/>
@@ -4243,11 +4251,11 @@
               <a:p>
                 <a:pPr algn="ctr"/>
                 <a:r>
-                  <a:rPr lang="en-US" sz="1600" dirty="0" smtClean="0">
+                  <a:rPr lang="zh-CN" altLang="en-US" sz="1600" dirty="0" smtClean="0">
                     <a:latin typeface="Arial"/>
                     <a:cs typeface="Arial"/>
                   </a:rPr>
-                  <a:t>Buffer </a:t>
+                  <a:t>将</a:t>
                 </a:r>
                 <a14:m>
                   <m:oMath xmlns:m="http://schemas.openxmlformats.org/officeDocument/2006/math">
@@ -4291,11 +4299,25 @@
                   </m:oMath>
                 </a14:m>
                 <a:r>
+                  <a:rPr lang="zh-CN" altLang="en-US" sz="1600" dirty="0" smtClean="0">
+                    <a:latin typeface="Arial"/>
+                    <a:cs typeface="Arial"/>
+                  </a:rPr>
+                  <a:t>暂存在</a:t>
+                </a:r>
+                <a:r>
                   <a:rPr lang="en-US" sz="1600" dirty="0" smtClean="0">
                     <a:latin typeface="Arial"/>
                     <a:cs typeface="Arial"/>
                   </a:rPr>
-                  <a:t> in DRAM;</a:t>
+                  <a:t>DRAM</a:t>
+                </a:r>
+                <a:r>
+                  <a:rPr lang="zh-CN" altLang="en-US" sz="1600" dirty="0">
+                    <a:latin typeface="Arial"/>
+                    <a:cs typeface="Arial"/>
+                  </a:rPr>
+                  <a:t>；</a:t>
                 </a:r>
                 <a:endParaRPr lang="en-US" altLang="zh-CN" sz="1600" dirty="0" smtClean="0">
                   <a:latin typeface="Arial"/>
@@ -4305,11 +4327,18 @@
               <a:p>
                 <a:pPr algn="ctr"/>
                 <a:r>
+                  <a:rPr lang="zh-CN" altLang="en-US" sz="1600" i="1" dirty="0" smtClean="0">
+                    <a:latin typeface="American Typewriter"/>
+                    <a:cs typeface="American Typewriter"/>
+                  </a:rPr>
+                  <a:t>更新</a:t>
+                </a:r>
+                <a:r>
                   <a:rPr lang="en-US" sz="1600" i="1" dirty="0" smtClean="0">
                     <a:latin typeface="American Typewriter"/>
                     <a:cs typeface="American Typewriter"/>
                   </a:rPr>
-                  <a:t>Update BTT</a:t>
+                  <a:t>BTT</a:t>
                 </a:r>
                 <a:endParaRPr lang="en-US" sz="1600" i="1" dirty="0">
                   <a:latin typeface="American Typewriter"/>
@@ -4319,7 +4348,7 @@
             </p:txBody>
           </p:sp>
         </mc:Choice>
-        <mc:Fallback xmlns="">
+        <mc:Fallback>
           <p:sp>
             <p:nvSpPr>
               <p:cNvPr id="192" name="TextBox 191"/>
@@ -4339,7 +4368,7 @@
               <a:blipFill rotWithShape="0">
                 <a:blip r:embed="rId4"/>
                 <a:stretch>
-                  <a:fillRect b="-10891"/>
+                  <a:fillRect l="-247" t="-990" b="-10891"/>
                 </a:stretch>
               </a:blipFill>
               <a:ln>
@@ -4363,8 +4392,8 @@
           </p:sp>
         </mc:Fallback>
       </mc:AlternateContent>
-      <mc:AlternateContent xmlns:mc="http://schemas.openxmlformats.org/markup-compatibility/2006" xmlns:a14="http://schemas.microsoft.com/office/drawing/2010/main">
-        <mc:Choice Requires="a14">
+      <mc:AlternateContent xmlns:mc="http://schemas.openxmlformats.org/markup-compatibility/2006">
+        <mc:Choice xmlns:a14="http://schemas.microsoft.com/office/drawing/2010/main" Requires="a14">
           <p:sp>
             <p:nvSpPr>
               <p:cNvPr id="195" name="TextBox 194"/>
@@ -4435,25 +4464,11 @@
                   </m:oMath>
                 </a14:m>
                 <a:r>
-                  <a:rPr lang="en-US" sz="1600" dirty="0" smtClean="0">
-                    <a:latin typeface="Arial"/>
-                    <a:cs typeface="Arial"/>
-                  </a:rPr>
-                  <a:t> </a:t>
-                </a:r>
-                <a:r>
-                  <a:rPr lang="en-US" altLang="zh-CN" sz="1600" dirty="0" smtClean="0">
-                    <a:latin typeface="Arial"/>
-                    <a:cs typeface="Arial"/>
-                  </a:rPr>
-                  <a:t>becomes</a:t>
-                </a:r>
-                <a:r>
                   <a:rPr lang="zh-CN" altLang="en-US" sz="1600" dirty="0" smtClean="0">
                     <a:latin typeface="Arial"/>
                     <a:cs typeface="Arial"/>
                   </a:rPr>
-                  <a:t> </a:t>
+                  <a:t>转变为</a:t>
                 </a:r>
                 <a14:m>
                   <m:oMath xmlns:m="http://schemas.openxmlformats.org/officeDocument/2006/math">
@@ -4497,11 +4512,11 @@
                   </m:oMath>
                 </a14:m>
                 <a:r>
-                  <a:rPr lang="en-US" sz="1600" dirty="0" smtClean="0">
+                  <a:rPr lang="zh-CN" altLang="en-US" sz="1600" dirty="0" smtClean="0">
                     <a:latin typeface="Arial"/>
                     <a:cs typeface="Arial"/>
                   </a:rPr>
-                  <a:t>;</a:t>
+                  <a:t>；</a:t>
                 </a:r>
                 <a:endParaRPr lang="en-US" altLang="zh-CN" sz="1600" i="1" dirty="0" smtClean="0">
                   <a:latin typeface="American Typewriter"/>
@@ -4511,11 +4526,18 @@
               <a:p>
                 <a:pPr algn="ctr"/>
                 <a:r>
+                  <a:rPr lang="zh-CN" altLang="en-US" sz="1600" i="1" dirty="0" smtClean="0">
+                    <a:latin typeface="American Typewriter"/>
+                    <a:cs typeface="American Typewriter"/>
+                  </a:rPr>
+                  <a:t>更新</a:t>
+                </a:r>
+                <a:r>
                   <a:rPr lang="en-US" altLang="zh-CN" sz="1600" i="1" dirty="0" smtClean="0">
                     <a:latin typeface="American Typewriter"/>
                     <a:cs typeface="American Typewriter"/>
                   </a:rPr>
-                  <a:t>Update BTT</a:t>
+                  <a:t>BTT</a:t>
                 </a:r>
                 <a:endParaRPr lang="en-US" sz="1600" i="1" dirty="0">
                   <a:latin typeface="American Typewriter"/>
@@ -4525,7 +4547,7 @@
             </p:txBody>
           </p:sp>
         </mc:Choice>
-        <mc:Fallback xmlns="">
+        <mc:Fallback>
           <p:sp>
             <p:nvSpPr>
               <p:cNvPr id="195" name="TextBox 194"/>
@@ -4545,7 +4567,7 @@
               <a:blipFill rotWithShape="0">
                 <a:blip r:embed="rId5"/>
                 <a:stretch>
-                  <a:fillRect b="-10891"/>
+                  <a:fillRect t="-990" b="-10891"/>
                 </a:stretch>
               </a:blipFill>
               <a:ln>
@@ -4585,7 +4607,7 @@
           </a:xfrm>
           <a:prstGeom prst="bentConnector3">
             <a:avLst>
-              <a:gd name="adj1" fmla="val 43447"/>
+              <a:gd name="adj1" fmla="val 50000"/>
             </a:avLst>
           </a:prstGeom>
           <a:ln>
@@ -4620,7 +4642,7 @@
         <p:spPr>
           <a:xfrm>
             <a:off x="2867726" y="231496"/>
-            <a:ext cx="1710725" cy="338554"/>
+            <a:ext cx="1415772" cy="338554"/>
           </a:xfrm>
           <a:prstGeom prst="rect">
             <a:avLst/>
@@ -4634,25 +4656,11 @@
           <a:lstStyle/>
           <a:p>
             <a:r>
-              <a:rPr lang="en-US" altLang="zh-CN" sz="1600" i="1" dirty="0" smtClean="0">
-                <a:latin typeface="Arial"/>
-                <a:cs typeface="Arial"/>
-              </a:rPr>
-              <a:t>Block</a:t>
-            </a:r>
-            <a:r>
               <a:rPr lang="zh-CN" altLang="en-US" sz="1600" i="1" dirty="0" smtClean="0">
                 <a:latin typeface="Arial"/>
                 <a:cs typeface="Arial"/>
               </a:rPr>
-              <a:t> </a:t>
-            </a:r>
-            <a:r>
-              <a:rPr lang="en-US" altLang="zh-CN" sz="1600" i="1" dirty="0" smtClean="0">
-                <a:latin typeface="Arial"/>
-                <a:cs typeface="Arial"/>
-              </a:rPr>
-              <a:t>remapping</a:t>
+              <a:t>块重映射模式</a:t>
             </a:r>
             <a:endParaRPr lang="en-US" sz="1600" i="1" dirty="0">
               <a:latin typeface="Arial"/>
@@ -4780,8 +4788,8 @@
           </p:nvSpPr>
           <p:spPr>
             <a:xfrm>
-              <a:off x="4509664" y="2195511"/>
-              <a:ext cx="1752403" cy="338554"/>
+              <a:off x="4683284" y="2195511"/>
+              <a:ext cx="1571264" cy="338554"/>
             </a:xfrm>
             <a:prstGeom prst="rect">
               <a:avLst/>
@@ -4795,53 +4803,32 @@
             <a:lstStyle/>
             <a:p>
               <a:r>
-                <a:rPr lang="en-US" sz="1600" dirty="0" smtClean="0">
+                <a:rPr lang="zh-CN" altLang="en-US" sz="1600" dirty="0" smtClean="0">
                   <a:latin typeface="Arial"/>
                   <a:cs typeface="Arial"/>
                 </a:rPr>
-                <a:t>Still </a:t>
+                <a:t>仍在生成</a:t>
               </a:r>
               <a:r>
-                <a:rPr lang="en-US" altLang="zh-CN" sz="1600" dirty="0" err="1" smtClean="0">
-                  <a:latin typeface="Arial"/>
-                  <a:cs typeface="Arial"/>
-                </a:rPr>
-                <a:t>ckp</a:t>
-              </a:r>
-              <a:r>
-                <a:rPr lang="en-US" sz="1600" dirty="0" err="1" smtClean="0">
-                  <a:latin typeface="Arial"/>
-                  <a:cs typeface="Arial"/>
-                </a:rPr>
-                <a:t>ting</a:t>
-              </a:r>
-              <a:r>
-                <a:rPr lang="en-US" sz="1600" dirty="0" smtClean="0">
-                  <a:latin typeface="Arial"/>
-                  <a:cs typeface="Arial"/>
-                </a:rPr>
-                <a:t> </a:t>
-              </a:r>
-              <a:r>
-                <a:rPr lang="en-US" sz="1600" i="1" dirty="0" smtClean="0">
+                <a:rPr lang="en-US" sz="1600" i="1" dirty="0" err="1" smtClean="0">
                   <a:latin typeface="Arial"/>
                   <a:cs typeface="Arial"/>
                 </a:rPr>
                 <a:t>C</a:t>
               </a:r>
               <a:r>
-                <a:rPr lang="en-US" sz="1600" i="1" baseline="-25000" dirty="0" smtClean="0">
+                <a:rPr lang="en-US" sz="1600" i="1" baseline="-25000" dirty="0" err="1" smtClean="0">
                   <a:latin typeface="Arial"/>
                   <a:cs typeface="Arial"/>
                 </a:rPr>
                 <a:t>last</a:t>
               </a:r>
               <a:r>
-                <a:rPr lang="en-US" sz="1600" dirty="0" smtClean="0">
+                <a:rPr lang="zh-CN" altLang="en-US" sz="1600" dirty="0" smtClean="0">
                   <a:latin typeface="Arial"/>
                   <a:cs typeface="Arial"/>
                 </a:rPr>
-                <a:t>?</a:t>
+                <a:t>？</a:t>
               </a:r>
               <a:endParaRPr lang="en-US" sz="1600" dirty="0">
                 <a:latin typeface="Arial"/>
@@ -5008,8 +4995,8 @@
           </a:fontRef>
         </p:style>
       </p:cxnSp>
-      <mc:AlternateContent xmlns:mc="http://schemas.openxmlformats.org/markup-compatibility/2006" xmlns:a14="http://schemas.microsoft.com/office/drawing/2010/main">
-        <mc:Choice Requires="a14">
+      <mc:AlternateContent xmlns:mc="http://schemas.openxmlformats.org/markup-compatibility/2006">
+        <mc:Choice xmlns:a14="http://schemas.microsoft.com/office/drawing/2010/main" Requires="a14">
           <p:sp>
             <p:nvSpPr>
               <p:cNvPr id="94" name="TextBox 93"/>
@@ -5039,11 +5026,10 @@
               <a:p>
                 <a:pPr algn="ctr"/>
                 <a:r>
-                  <a:rPr lang="en-US" sz="1600" dirty="0" smtClean="0">
-                    <a:latin typeface="Arial"/>
+                  <a:rPr lang="zh-CN" altLang="en-US" sz="1600" dirty="0" smtClean="0">
                     <a:cs typeface="Arial"/>
                   </a:rPr>
-                  <a:t>Write </a:t>
+                  <a:t>将</a:t>
                 </a:r>
                 <a14:m>
                   <m:oMath xmlns:m="http://schemas.openxmlformats.org/officeDocument/2006/math">
@@ -5087,25 +5073,11 @@
                   </m:oMath>
                 </a14:m>
                 <a:r>
-                  <a:rPr lang="en-US" sz="1600" dirty="0" smtClean="0">
-                    <a:latin typeface="Arial"/>
-                    <a:cs typeface="Arial"/>
-                  </a:rPr>
-                  <a:t> </a:t>
-                </a:r>
-                <a:r>
-                  <a:rPr lang="en-US" altLang="zh-CN" sz="1600" dirty="0" smtClean="0">
-                    <a:latin typeface="Arial"/>
-                    <a:cs typeface="Arial"/>
-                  </a:rPr>
-                  <a:t>in</a:t>
-                </a:r>
-                <a:r>
                   <a:rPr lang="zh-CN" altLang="en-US" sz="1600" dirty="0" smtClean="0">
                     <a:latin typeface="Arial"/>
                     <a:cs typeface="Arial"/>
                   </a:rPr>
-                  <a:t> </a:t>
+                  <a:t>从</a:t>
                 </a:r>
                 <a:r>
                   <a:rPr lang="en-US" altLang="zh-CN" sz="1600" dirty="0" smtClean="0">
@@ -5122,25 +5094,39 @@
               <a:p>
                 <a:pPr algn="ctr"/>
                 <a:r>
+                  <a:rPr lang="zh-CN" altLang="en-US" sz="1600" dirty="0" smtClean="0">
+                    <a:latin typeface="Arial"/>
+                    <a:cs typeface="Arial"/>
+                  </a:rPr>
+                  <a:t>写入</a:t>
+                </a:r>
+                <a:r>
                   <a:rPr lang="en-US" sz="1600" dirty="0" smtClean="0">
                     <a:latin typeface="Arial"/>
                     <a:cs typeface="Arial"/>
                   </a:rPr>
-                  <a:t>to NVM;</a:t>
+                  <a:t>NVM</a:t>
                 </a:r>
                 <a:r>
-                  <a:rPr lang="zh-CN" altLang="en-US" sz="1600" dirty="0">
+                  <a:rPr lang="zh-CN" altLang="en-US" sz="1600" dirty="0" smtClean="0">
                     <a:latin typeface="Arial"/>
                     <a:cs typeface="Arial"/>
                   </a:rPr>
-                  <a:t> </a:t>
+                  <a:t>；</a:t>
+                </a:r>
+                <a:r>
+                  <a:rPr lang="zh-CN" altLang="en-US" sz="1600" i="1" dirty="0" smtClean="0">
+                    <a:latin typeface="American Typewriter"/>
+                    <a:cs typeface="American Typewriter"/>
+                  </a:rPr>
+                  <a:t>更新</a:t>
                 </a:r>
                 <a:r>
                   <a:rPr lang="en-US" sz="1600" i="1" dirty="0" smtClean="0">
                     <a:latin typeface="American Typewriter"/>
                     <a:cs typeface="American Typewriter"/>
                   </a:rPr>
-                  <a:t>Update BTT</a:t>
+                  <a:t>BTT</a:t>
                 </a:r>
                 <a:endParaRPr lang="en-US" sz="1600" i="1" dirty="0">
                   <a:latin typeface="American Typewriter"/>
@@ -5150,7 +5136,7 @@
             </p:txBody>
           </p:sp>
         </mc:Choice>
-        <mc:Fallback xmlns="">
+        <mc:Fallback>
           <p:sp>
             <p:nvSpPr>
               <p:cNvPr id="94" name="TextBox 93"/>
@@ -5170,7 +5156,7 @@
               <a:blipFill rotWithShape="0">
                 <a:blip r:embed="rId6"/>
                 <a:stretch>
-                  <a:fillRect b="-10891"/>
+                  <a:fillRect t="-990" b="-10891"/>
                 </a:stretch>
               </a:blipFill>
               <a:ln>
@@ -5194,8 +5180,8 @@
           </p:sp>
         </mc:Fallback>
       </mc:AlternateContent>
-      <mc:AlternateContent xmlns:mc="http://schemas.openxmlformats.org/markup-compatibility/2006" xmlns:a14="http://schemas.microsoft.com/office/drawing/2010/main">
-        <mc:Choice Requires="a14">
+      <mc:AlternateContent xmlns:mc="http://schemas.openxmlformats.org/markup-compatibility/2006">
+        <mc:Choice xmlns:a14="http://schemas.microsoft.com/office/drawing/2010/main" Requires="a14">
           <p:sp>
             <p:nvSpPr>
               <p:cNvPr id="96" name="TextBox 95"/>
@@ -5239,8 +5225,8 @@
                   </a:spcAft>
                 </a:pPr>
                 <a:r>
-                  <a:rPr lang="en-US" altLang="zh-CN" dirty="0" smtClean="0"/>
-                  <a:t>Write </a:t>
+                  <a:rPr lang="zh-CN" altLang="en-US" dirty="0" smtClean="0"/>
+                  <a:t>将</a:t>
                 </a:r>
                 <a14:m>
                   <m:oMath xmlns:m="http://schemas.openxmlformats.org/officeDocument/2006/math">
@@ -5280,16 +5266,8 @@
                   </m:oMath>
                 </a14:m>
                 <a:r>
-                  <a:rPr lang="en-US" dirty="0" smtClean="0"/>
-                  <a:t> </a:t>
-                </a:r>
-                <a:r>
-                  <a:rPr lang="en-US" altLang="zh-CN" dirty="0" smtClean="0"/>
-                  <a:t>in</a:t>
-                </a:r>
-                <a:r>
                   <a:rPr lang="zh-CN" altLang="en-US" dirty="0" smtClean="0"/>
-                  <a:t> </a:t>
+                  <a:t>从</a:t>
                 </a:r>
                 <a:r>
                   <a:rPr lang="en-US" altLang="zh-CN" dirty="0" smtClean="0"/>
@@ -5303,19 +5281,19 @@
                   <a:rPr lang="zh-CN" altLang="en-US" dirty="0" smtClean="0"/>
                 </a:br>
                 <a:r>
-                  <a:rPr lang="en-US" altLang="zh-CN" dirty="0" smtClean="0"/>
-                  <a:t>to</a:t>
+                  <a:rPr lang="zh-CN" altLang="en-US" dirty="0" smtClean="0"/>
+                  <a:t>写入</a:t>
                 </a:r>
                 <a:r>
                   <a:rPr lang="en-US" dirty="0" smtClean="0"/>
-                  <a:t> NVM</a:t>
+                  <a:t>NVM</a:t>
                 </a:r>
                 <a:endParaRPr lang="en-US" altLang="zh-CN" dirty="0"/>
               </a:p>
             </p:txBody>
           </p:sp>
         </mc:Choice>
-        <mc:Fallback xmlns="">
+        <mc:Fallback>
           <p:sp>
             <p:nvSpPr>
               <p:cNvPr id="96" name="TextBox 95"/>
@@ -5335,7 +5313,7 @@
               <a:blipFill rotWithShape="0">
                 <a:blip r:embed="rId7"/>
                 <a:stretch>
-                  <a:fillRect b="-10680"/>
+                  <a:fillRect t="-1942" b="-11650"/>
                 </a:stretch>
               </a:blipFill>
               <a:ln>
@@ -5388,61 +5366,93 @@
           <a:p>
             <a:pPr algn="ctr"/>
             <a:r>
+              <a:rPr lang="zh-CN" altLang="en-US" sz="1600" i="1" dirty="0" smtClean="0">
+                <a:latin typeface="American Typewriter"/>
+                <a:cs typeface="American Typewriter"/>
+              </a:rPr>
+              <a:t>在</a:t>
+            </a:r>
+            <a:r>
               <a:rPr lang="en-US" altLang="zh-CN" sz="1600" i="1" dirty="0" smtClean="0">
                 <a:latin typeface="American Typewriter"/>
                 <a:cs typeface="American Typewriter"/>
               </a:rPr>
-              <a:t>Checkpoint P</a:t>
+              <a:t>NVM</a:t>
+            </a:r>
+            <a:r>
+              <a:rPr lang="zh-CN" altLang="en-US" sz="1600" i="1" dirty="0" smtClean="0">
+                <a:latin typeface="American Typewriter"/>
+                <a:cs typeface="American Typewriter"/>
+              </a:rPr>
+              <a:t>中生成</a:t>
+            </a:r>
+            <a:r>
+              <a:rPr lang="en-US" altLang="zh-CN" sz="1600" i="1" dirty="0" smtClean="0">
+                <a:latin typeface="American Typewriter"/>
+                <a:cs typeface="American Typewriter"/>
+              </a:rPr>
+              <a:t>P</a:t>
             </a:r>
             <a:r>
               <a:rPr lang="en-US" sz="1600" i="1" dirty="0" smtClean="0">
                 <a:latin typeface="American Typewriter"/>
                 <a:cs typeface="American Typewriter"/>
               </a:rPr>
-              <a:t>TT </a:t>
+              <a:t>TT</a:t>
             </a:r>
             <a:r>
               <a:rPr lang="zh-CN" altLang="en-US" sz="1600" i="1" dirty="0" smtClean="0">
                 <a:latin typeface="American Typewriter"/>
                 <a:cs typeface="American Typewriter"/>
               </a:rPr>
-              <a:t> </a:t>
-            </a:r>
-            <a:r>
-              <a:rPr lang="en-US" altLang="zh-CN" sz="1600" i="1" dirty="0">
+              <a:t>的检查点</a:t>
+            </a:r>
+            <a:r>
+              <a:rPr lang="zh-CN" altLang="en-US" sz="1600" dirty="0" smtClean="0">
                 <a:latin typeface="American Typewriter"/>
                 <a:cs typeface="American Typewriter"/>
               </a:rPr>
-              <a:t>in</a:t>
-            </a:r>
-            <a:r>
-              <a:rPr lang="zh-CN" altLang="en-US" sz="1600" i="1" dirty="0">
-                <a:latin typeface="American Typewriter"/>
-                <a:cs typeface="American Typewriter"/>
-              </a:rPr>
-              <a:t> </a:t>
-            </a:r>
-            <a:r>
-              <a:rPr lang="en-US" altLang="zh-CN" sz="1600" i="1" dirty="0" smtClean="0">
-                <a:latin typeface="American Typewriter"/>
-                <a:cs typeface="American Typewriter"/>
-              </a:rPr>
-              <a:t>NVM;</a:t>
-            </a:r>
-            <a:endParaRPr lang="en-US" sz="1600" i="1" dirty="0">
+              <a:t>；</a:t>
+            </a:r>
+            <a:endParaRPr lang="en-US" sz="1600" dirty="0">
               <a:latin typeface="American Typewriter"/>
               <a:cs typeface="American Typewriter"/>
             </a:endParaRPr>
           </a:p>
           <a:p>
             <a:pPr algn="ctr"/>
+            <a:r>
+              <a:rPr lang="zh-CN" altLang="en-US" sz="1600" dirty="0" smtClean="0">
+                <a:latin typeface="Arial"/>
+                <a:cs typeface="Arial"/>
+              </a:rPr>
+              <a:t>刷出</a:t>
+            </a:r>
             <a:r>
               <a:rPr lang="en-US" altLang="zh-CN" sz="1600" dirty="0" smtClean="0">
                 <a:latin typeface="Arial"/>
                 <a:cs typeface="Arial"/>
               </a:rPr>
-              <a:t>Flush the NVM write queue</a:t>
-            </a:r>
+              <a:t>NVM</a:t>
+            </a:r>
+            <a:r>
+              <a:rPr lang="zh-CN" altLang="en-US" sz="1600" dirty="0" smtClean="0">
+                <a:latin typeface="Arial"/>
+                <a:cs typeface="Arial"/>
+              </a:rPr>
+              <a:t>的</a:t>
+            </a:r>
+            <a:r>
+              <a:rPr lang="zh-CN" altLang="en-US" sz="1600" smtClean="0">
+                <a:latin typeface="Arial"/>
+                <a:cs typeface="Arial"/>
+              </a:rPr>
+              <a:t>写队列</a:t>
+            </a:r>
+            <a:endParaRPr lang="en-US" altLang="zh-CN" sz="1600" dirty="0" smtClean="0">
+              <a:latin typeface="Arial"/>
+              <a:cs typeface="Arial"/>
+            </a:endParaRPr>
           </a:p>
         </p:txBody>
       </p:sp>
@@ -5455,7 +5465,7 @@
         <p:spPr>
           <a:xfrm>
             <a:off x="6930918" y="2216609"/>
-            <a:ext cx="519393" cy="338554"/>
+            <a:ext cx="389850" cy="338554"/>
           </a:xfrm>
           <a:prstGeom prst="rect">
             <a:avLst/>
@@ -5469,11 +5479,11 @@
           <a:lstStyle/>
           <a:p>
             <a:r>
-              <a:rPr lang="en-US" sz="1600" dirty="0" smtClean="0">
+              <a:rPr lang="zh-CN" altLang="en-US" sz="1600" dirty="0" smtClean="0">
                 <a:latin typeface="Arial"/>
                 <a:cs typeface="Arial"/>
               </a:rPr>
-              <a:t>Yes</a:t>
+              <a:t>是</a:t>
             </a:r>
             <a:endParaRPr lang="en-US" sz="1600" dirty="0">
               <a:latin typeface="Arial"/>
@@ -5552,39 +5562,40 @@
               </a:spcAft>
             </a:pPr>
             <a:r>
+              <a:rPr lang="zh-CN" altLang="en-US" sz="1600" dirty="0" smtClean="0">
+                <a:latin typeface="Arial"/>
+                <a:cs typeface="Arial"/>
+              </a:rPr>
+              <a:t>刷出</a:t>
+            </a:r>
+            <a:r>
               <a:rPr lang="en-US" sz="1600" dirty="0" smtClean="0">
                 <a:latin typeface="Arial"/>
                 <a:cs typeface="Arial"/>
               </a:rPr>
-              <a:t>Flush </a:t>
-            </a:r>
-            <a:r>
-              <a:rPr lang="en-US" altLang="zh-CN" sz="1600" dirty="0" smtClean="0">
-                <a:latin typeface="Arial"/>
-                <a:cs typeface="Arial"/>
-              </a:rPr>
-              <a:t>the</a:t>
+              <a:t>CPU</a:t>
             </a:r>
             <a:r>
               <a:rPr lang="zh-CN" altLang="en-US" sz="1600" dirty="0" smtClean="0">
                 <a:latin typeface="Arial"/>
                 <a:cs typeface="Arial"/>
               </a:rPr>
-              <a:t> </a:t>
-            </a:r>
-            <a:r>
-              <a:rPr lang="en-US" sz="1600" dirty="0" smtClean="0">
+              <a:t>状态</a:t>
+            </a:r>
+            <a:r>
+              <a:rPr lang="zh-CN" altLang="en-US" sz="1600" dirty="0" smtClean="0">
                 <a:latin typeface="Arial"/>
                 <a:cs typeface="Arial"/>
               </a:rPr>
-              <a:t>CPU </a:t>
-            </a:r>
-            <a:r>
-              <a:rPr lang="en-US" altLang="zh-CN" sz="1600" dirty="0" smtClean="0">
-                <a:latin typeface="Arial"/>
-                <a:cs typeface="Arial"/>
+              <a:t>；</a:t>
+            </a:r>
+            <a:r>
+              <a:rPr lang="zh-CN" altLang="en-US" sz="1600" i="1" dirty="0" smtClean="0">
+                <a:latin typeface="American Typewriter" charset="0"/>
+                <a:ea typeface="American Typewriter" charset="0"/>
+                <a:cs typeface="American Typewriter" charset="0"/>
               </a:rPr>
-              <a:t>state; </a:t>
+              <a:t>在</a:t>
             </a:r>
             <a:r>
               <a:rPr lang="en-US" altLang="zh-CN" sz="1600" i="1" dirty="0" smtClean="0">
@@ -5592,10 +5603,18 @@
                 <a:ea typeface="American Typewriter" charset="0"/>
                 <a:cs typeface="American Typewriter" charset="0"/>
               </a:rPr>
-              <a:t>Checkpoint </a:t>
-            </a:r>
-            <a:r>
-              <a:rPr lang="en-US" altLang="zh-CN" sz="1600" i="1" dirty="0">
+              <a:t>NVM</a:t>
+            </a:r>
+            <a:r>
+              <a:rPr lang="zh-CN" altLang="en-US" sz="1600" i="1" dirty="0" smtClean="0">
+                <a:latin typeface="American Typewriter" charset="0"/>
+                <a:ea typeface="American Typewriter" charset="0"/>
+                <a:cs typeface="American Typewriter" charset="0"/>
+              </a:rPr>
+              <a:t>生成</a:t>
+            </a:r>
+            <a:r>
+              <a:rPr lang="en-US" altLang="zh-CN" sz="1600" i="1" dirty="0" smtClean="0">
                 <a:latin typeface="American Typewriter" charset="0"/>
                 <a:ea typeface="American Typewriter" charset="0"/>
                 <a:cs typeface="American Typewriter" charset="0"/>
@@ -5603,12 +5622,12 @@
               <a:t>BTT</a:t>
             </a:r>
             <a:r>
-              <a:rPr lang="en-US" altLang="zh-CN" sz="1600" i="1" dirty="0" smtClean="0">
+              <a:rPr lang="zh-CN" altLang="en-US" sz="1600" i="1" dirty="0" smtClean="0">
                 <a:latin typeface="American Typewriter" charset="0"/>
                 <a:ea typeface="American Typewriter" charset="0"/>
                 <a:cs typeface="American Typewriter" charset="0"/>
               </a:rPr>
-              <a:t> in NVM</a:t>
+              <a:t>的检查点</a:t>
             </a:r>
             <a:endParaRPr lang="en-US" sz="1600" i="1" dirty="0">
               <a:latin typeface="American Typewriter" charset="0"/>
@@ -5702,16 +5721,6 @@
           <a:p>
             <a:pPr algn="ctr"/>
             <a:r>
-              <a:rPr lang="en-US" altLang="zh-CN" sz="1600" smtClean="0">
-                <a:solidFill>
-                  <a:schemeClr val="tx1"/>
-                </a:solidFill>
-                <a:latin typeface="Arial"/>
-                <a:cs typeface="Arial"/>
-              </a:rPr>
-              <a:t>Acknowledge</a:t>
-            </a:r>
-            <a:r>
               <a:rPr lang="zh-CN" altLang="en-US" sz="1600" dirty="0" smtClean="0">
                 <a:solidFill>
                   <a:schemeClr val="tx1"/>
@@ -5719,17 +5728,7 @@
                 <a:latin typeface="Arial"/>
                 <a:cs typeface="Arial"/>
               </a:rPr>
-              <a:t> </a:t>
-            </a:r>
-            <a:r>
-              <a:rPr lang="en-US" altLang="zh-CN" sz="1600" dirty="0" smtClean="0">
-                <a:solidFill>
-                  <a:schemeClr val="tx1"/>
-                </a:solidFill>
-                <a:latin typeface="Arial"/>
-                <a:cs typeface="Arial"/>
-              </a:rPr>
-              <a:t>store</a:t>
+              <a:t>确认写入</a:t>
             </a:r>
             <a:endParaRPr lang="en-US" sz="1600" dirty="0">
               <a:solidFill>
@@ -5833,8 +5832,8 @@
         </p:nvSpPr>
         <p:spPr>
           <a:xfrm>
-            <a:off x="5935438" y="4652624"/>
-            <a:ext cx="1700072" cy="346327"/>
+            <a:off x="5865987" y="4652624"/>
+            <a:ext cx="1854391" cy="346327"/>
           </a:xfrm>
           <a:prstGeom prst="flowChartTerminator">
             <a:avLst/>
@@ -5867,34 +5866,14 @@
           <a:p>
             <a:pPr algn="ctr"/>
             <a:r>
-              <a:rPr lang="en-US" altLang="zh-CN" sz="1600" dirty="0" err="1" smtClean="0">
+              <a:rPr lang="zh-CN" altLang="en-US" sz="1600" smtClean="0">
                 <a:solidFill>
                   <a:schemeClr val="tx1"/>
                 </a:solidFill>
                 <a:latin typeface="Arial"/>
                 <a:cs typeface="Arial"/>
               </a:rPr>
-              <a:t>Ckpt</a:t>
-            </a:r>
-            <a:r>
-              <a:rPr lang="zh-CN" altLang="en-US" sz="1600" dirty="0" smtClean="0">
-                <a:solidFill>
-                  <a:schemeClr val="tx1"/>
-                </a:solidFill>
-                <a:latin typeface="Arial"/>
-                <a:cs typeface="Arial"/>
-              </a:rPr>
-              <a:t> </a:t>
-            </a:r>
-            <a:r>
-              <a:rPr lang="en-US" altLang="zh-CN" sz="1600" dirty="0" smtClean="0">
-                <a:solidFill>
-                  <a:schemeClr val="tx1"/>
-                </a:solidFill>
-                <a:latin typeface="Arial"/>
-                <a:cs typeface="Arial"/>
-              </a:rPr>
-              <a:t>begins</a:t>
+              <a:t>开始生成检查点</a:t>
             </a:r>
             <a:endParaRPr lang="en-US" sz="1600" dirty="0">
               <a:solidFill>
@@ -5985,16 +5964,6 @@
           <a:p>
             <a:pPr algn="ctr"/>
             <a:r>
-              <a:rPr lang="en-US" altLang="zh-CN" sz="1600" dirty="0" err="1" smtClean="0">
-                <a:solidFill>
-                  <a:schemeClr val="tx1"/>
-                </a:solidFill>
-                <a:latin typeface="Arial"/>
-                <a:cs typeface="Arial"/>
-              </a:rPr>
-              <a:t>Ckpt</a:t>
-            </a:r>
-            <a:r>
               <a:rPr lang="zh-CN" altLang="en-US" sz="1600" dirty="0" smtClean="0">
                 <a:solidFill>
                   <a:schemeClr val="tx1"/>
@@ -6002,17 +5971,7 @@
                 <a:latin typeface="Arial"/>
                 <a:cs typeface="Arial"/>
               </a:rPr>
-              <a:t> </a:t>
-            </a:r>
-            <a:r>
-              <a:rPr lang="en-US" altLang="zh-CN" sz="1600" dirty="0" smtClean="0">
-                <a:solidFill>
-                  <a:schemeClr val="tx1"/>
-                </a:solidFill>
-                <a:latin typeface="Arial"/>
-                <a:cs typeface="Arial"/>
-              </a:rPr>
-              <a:t>ends</a:t>
+              <a:t>检查点完成</a:t>
             </a:r>
             <a:endParaRPr lang="en-US" sz="1600" dirty="0">
               <a:solidFill>
@@ -6107,7 +6066,7 @@
         <p:spPr>
           <a:xfrm>
             <a:off x="8140172" y="231358"/>
-            <a:ext cx="1585690" cy="338554"/>
+            <a:ext cx="1210588" cy="338554"/>
           </a:xfrm>
           <a:prstGeom prst="rect">
             <a:avLst/>
@@ -6121,25 +6080,11 @@
           <a:lstStyle/>
           <a:p>
             <a:r>
-              <a:rPr lang="en-US" altLang="zh-CN" sz="1600" i="1" dirty="0" smtClean="0">
-                <a:latin typeface="Arial"/>
-                <a:cs typeface="Arial"/>
-              </a:rPr>
-              <a:t>Page</a:t>
-            </a:r>
-            <a:r>
               <a:rPr lang="zh-CN" altLang="en-US" sz="1600" i="1" dirty="0" smtClean="0">
                 <a:latin typeface="Arial"/>
                 <a:cs typeface="Arial"/>
               </a:rPr>
-              <a:t> </a:t>
-            </a:r>
-            <a:r>
-              <a:rPr lang="en-US" altLang="zh-CN" sz="1600" i="1" dirty="0" err="1" smtClean="0">
-                <a:latin typeface="Arial"/>
-                <a:cs typeface="Arial"/>
-              </a:rPr>
-              <a:t>writeback</a:t>
+              <a:t>页回写模式</a:t>
             </a:r>
             <a:endParaRPr lang="en-US" sz="1600" i="1" dirty="0">
               <a:latin typeface="Arial"/>
@@ -6157,7 +6102,7 @@
         <p:spPr>
           <a:xfrm>
             <a:off x="5436785" y="233813"/>
-            <a:ext cx="1438214" cy="338554"/>
+            <a:ext cx="1620957" cy="338554"/>
           </a:xfrm>
           <a:prstGeom prst="rect">
             <a:avLst/>
@@ -6171,11 +6116,18 @@
           <a:lstStyle/>
           <a:p>
             <a:r>
-              <a:rPr lang="en-US" altLang="zh-CN" sz="1600" i="1" dirty="0" smtClean="0">
+              <a:rPr lang="zh-CN" altLang="en-US" sz="1600" i="1" dirty="0" smtClean="0">
                 <a:latin typeface="Arial"/>
                 <a:cs typeface="Arial"/>
               </a:rPr>
-              <a:t>(Cooperation)</a:t>
+              <a:t>（</a:t>
+            </a:r>
+            <a:r>
+              <a:rPr lang="zh-CN" altLang="en-US" sz="1600" i="1" dirty="0" smtClean="0">
+                <a:latin typeface="Arial"/>
+                <a:cs typeface="Arial"/>
+              </a:rPr>
+              <a:t>双模式合作）</a:t>
             </a:r>
             <a:endParaRPr lang="en-US" sz="1600" i="1" dirty="0">
               <a:latin typeface="Arial"/>
@@ -6192,8 +6144,8 @@
         </p:nvSpPr>
         <p:spPr>
           <a:xfrm>
-            <a:off x="8643880" y="4087638"/>
-            <a:ext cx="2122697" cy="338554"/>
+            <a:off x="9027851" y="4087638"/>
+            <a:ext cx="1725152" cy="338554"/>
           </a:xfrm>
           <a:prstGeom prst="rect">
             <a:avLst/>
@@ -6212,14 +6164,7 @@
                 <a:latin typeface="Arial"/>
                 <a:cs typeface="Arial"/>
               </a:rPr>
-              <a:t>(a</a:t>
-            </a:r>
-            <a:r>
-              <a:rPr lang="en-US" altLang="zh-CN" sz="1600" b="1" dirty="0" smtClean="0">
-                <a:latin typeface="Arial"/>
-                <a:cs typeface="Arial"/>
-              </a:rPr>
-              <a:t>)</a:t>
+              <a:t>(a)</a:t>
             </a:r>
             <a:r>
               <a:rPr lang="zh-CN" altLang="en-US" sz="1600" b="1" dirty="0" smtClean="0">
@@ -6229,25 +6174,11 @@
               <a:t> </a:t>
             </a:r>
             <a:r>
-              <a:rPr lang="en-US" altLang="zh-CN" sz="1600" b="1" dirty="0" smtClean="0">
-                <a:latin typeface="Arial"/>
-                <a:cs typeface="Arial"/>
-              </a:rPr>
-              <a:t>Execution</a:t>
-            </a:r>
-            <a:r>
               <a:rPr lang="zh-CN" altLang="en-US" sz="1600" b="1" dirty="0" smtClean="0">
                 <a:latin typeface="Arial"/>
                 <a:cs typeface="Arial"/>
               </a:rPr>
-              <a:t> </a:t>
-            </a:r>
-            <a:r>
-              <a:rPr lang="en-US" altLang="zh-CN" sz="1600" b="1" dirty="0" smtClean="0">
-                <a:latin typeface="Arial"/>
-                <a:cs typeface="Arial"/>
-              </a:rPr>
-              <a:t>phase</a:t>
+              <a:t>程序执行阶段</a:t>
             </a:r>
             <a:endParaRPr lang="en-US" sz="1600" b="1" dirty="0">
               <a:latin typeface="Arial"/>
@@ -6264,8 +6195,8 @@
         </p:nvSpPr>
         <p:spPr>
           <a:xfrm>
-            <a:off x="9151537" y="8601554"/>
-            <a:ext cx="1609736" cy="338554"/>
+            <a:off x="8812013" y="8601554"/>
+            <a:ext cx="1941557" cy="338554"/>
           </a:xfrm>
           <a:prstGeom prst="rect">
             <a:avLst/>
@@ -6284,14 +6215,7 @@
                 <a:latin typeface="Arial"/>
                 <a:cs typeface="Arial"/>
               </a:rPr>
-              <a:t>(b</a:t>
-            </a:r>
-            <a:r>
-              <a:rPr lang="en-US" altLang="zh-CN" sz="1600" b="1" dirty="0" smtClean="0">
-                <a:latin typeface="Arial"/>
-                <a:cs typeface="Arial"/>
-              </a:rPr>
-              <a:t>)</a:t>
+              <a:t>(b)</a:t>
             </a:r>
             <a:r>
               <a:rPr lang="zh-CN" altLang="en-US" sz="1600" b="1" dirty="0" smtClean="0">
@@ -6301,25 +6225,11 @@
               <a:t> </a:t>
             </a:r>
             <a:r>
-              <a:rPr lang="en-US" altLang="zh-CN" sz="1600" b="1" dirty="0" err="1" smtClean="0">
-                <a:latin typeface="Arial"/>
-                <a:cs typeface="Arial"/>
-              </a:rPr>
-              <a:t>Ckpt</a:t>
-            </a:r>
-            <a:r>
               <a:rPr lang="zh-CN" altLang="en-US" sz="1600" b="1" dirty="0" smtClean="0">
                 <a:latin typeface="Arial"/>
                 <a:cs typeface="Arial"/>
               </a:rPr>
-              <a:t> </a:t>
-            </a:r>
-            <a:r>
-              <a:rPr lang="en-US" altLang="zh-CN" sz="1600" b="1" dirty="0" smtClean="0">
-                <a:latin typeface="Arial"/>
-                <a:cs typeface="Arial"/>
-              </a:rPr>
-              <a:t>phase</a:t>
+              <a:t>生成检查点阶段</a:t>
             </a:r>
             <a:endParaRPr lang="en-US" sz="1600" b="1" dirty="0">
               <a:latin typeface="Arial"/>
